--- a/12.pptx
+++ b/12.pptx
@@ -215,7 +215,7 @@
           <a:p>
             <a:fld id="{AA93C23F-80D8-41F7-A602-5BAA4D96D6F7}" type="datetimeFigureOut">
               <a:rPr lang="ko-KR" altLang="en-US" smtClean="0"/>
-              <a:t>2019-12-21</a:t>
+              <a:t>2025-03-15</a:t>
             </a:fld>
             <a:endParaRPr lang="ko-KR" altLang="en-US"/>
           </a:p>
@@ -1005,7 +1005,7 @@
           <a:p>
             <a:fld id="{AA93C23F-80D8-41F7-A602-5BAA4D96D6F7}" type="datetimeFigureOut">
               <a:rPr lang="ko-KR" altLang="en-US" smtClean="0"/>
-              <a:t>2019-12-21</a:t>
+              <a:t>2025-03-15</a:t>
             </a:fld>
             <a:endParaRPr lang="ko-KR" altLang="en-US"/>
           </a:p>
@@ -1173,7 +1173,7 @@
           <a:p>
             <a:fld id="{AA93C23F-80D8-41F7-A602-5BAA4D96D6F7}" type="datetimeFigureOut">
               <a:rPr lang="ko-KR" altLang="en-US" smtClean="0"/>
-              <a:t>2019-12-21</a:t>
+              <a:t>2025-03-15</a:t>
             </a:fld>
             <a:endParaRPr lang="ko-KR" altLang="en-US"/>
           </a:p>
@@ -1351,7 +1351,7 @@
           <a:p>
             <a:fld id="{AA93C23F-80D8-41F7-A602-5BAA4D96D6F7}" type="datetimeFigureOut">
               <a:rPr lang="ko-KR" altLang="en-US" smtClean="0"/>
-              <a:t>2019-12-21</a:t>
+              <a:t>2025-03-15</a:t>
             </a:fld>
             <a:endParaRPr lang="ko-KR" altLang="en-US"/>
           </a:p>
@@ -1535,7 +1535,7 @@
           <a:p>
             <a:fld id="{AA93C23F-80D8-41F7-A602-5BAA4D96D6F7}" type="datetimeFigureOut">
               <a:rPr lang="ko-KR" altLang="en-US" smtClean="0"/>
-              <a:t>2019-12-21</a:t>
+              <a:t>2025-03-15</a:t>
             </a:fld>
             <a:endParaRPr lang="ko-KR" altLang="en-US"/>
           </a:p>
@@ -1780,7 +1780,7 @@
           <a:p>
             <a:fld id="{AA93C23F-80D8-41F7-A602-5BAA4D96D6F7}" type="datetimeFigureOut">
               <a:rPr lang="ko-KR" altLang="en-US" smtClean="0"/>
-              <a:t>2019-12-21</a:t>
+              <a:t>2025-03-15</a:t>
             </a:fld>
             <a:endParaRPr lang="ko-KR" altLang="en-US"/>
           </a:p>
@@ -2009,7 +2009,7 @@
           <a:p>
             <a:fld id="{AA93C23F-80D8-41F7-A602-5BAA4D96D6F7}" type="datetimeFigureOut">
               <a:rPr lang="ko-KR" altLang="en-US" smtClean="0"/>
-              <a:t>2019-12-21</a:t>
+              <a:t>2025-03-15</a:t>
             </a:fld>
             <a:endParaRPr lang="ko-KR" altLang="en-US"/>
           </a:p>
@@ -2373,7 +2373,7 @@
           <a:p>
             <a:fld id="{AA93C23F-80D8-41F7-A602-5BAA4D96D6F7}" type="datetimeFigureOut">
               <a:rPr lang="ko-KR" altLang="en-US" smtClean="0"/>
-              <a:t>2019-12-21</a:t>
+              <a:t>2025-03-15</a:t>
             </a:fld>
             <a:endParaRPr lang="ko-KR" altLang="en-US"/>
           </a:p>
@@ -2490,7 +2490,7 @@
           <a:p>
             <a:fld id="{AA93C23F-80D8-41F7-A602-5BAA4D96D6F7}" type="datetimeFigureOut">
               <a:rPr lang="ko-KR" altLang="en-US" smtClean="0"/>
-              <a:t>2019-12-21</a:t>
+              <a:t>2025-03-15</a:t>
             </a:fld>
             <a:endParaRPr lang="ko-KR" altLang="en-US"/>
           </a:p>
@@ -2764,7 +2764,7 @@
                 <a:tabLst/>
                 <a:defRPr/>
               </a:pPr>
-              <a:t>2019-12-21</a:t>
+              <a:t>2025-03-15</a:t>
             </a:fld>
             <a:endParaRPr kumimoji="0" lang="ko-KR" altLang="en-US" sz="1200" b="0" i="0" u="none" strike="noStrike" kern="1200" cap="none" spc="0" normalizeH="0" baseline="0" noProof="0">
               <a:ln>
@@ -2982,7 +2982,7 @@
           <a:p>
             <a:fld id="{AA93C23F-80D8-41F7-A602-5BAA4D96D6F7}" type="datetimeFigureOut">
               <a:rPr lang="ko-KR" altLang="en-US" smtClean="0"/>
-              <a:t>2019-12-21</a:t>
+              <a:t>2025-03-15</a:t>
             </a:fld>
             <a:endParaRPr lang="ko-KR" altLang="en-US"/>
           </a:p>
@@ -3257,7 +3257,7 @@
           <a:p>
             <a:fld id="{AA93C23F-80D8-41F7-A602-5BAA4D96D6F7}" type="datetimeFigureOut">
               <a:rPr lang="ko-KR" altLang="en-US" smtClean="0"/>
-              <a:t>2019-12-21</a:t>
+              <a:t>2025-03-15</a:t>
             </a:fld>
             <a:endParaRPr lang="ko-KR" altLang="en-US"/>
           </a:p>
@@ -3468,7 +3468,7 @@
           <a:p>
             <a:fld id="{AA93C23F-80D8-41F7-A602-5BAA4D96D6F7}" type="datetimeFigureOut">
               <a:rPr lang="ko-KR" altLang="en-US" smtClean="0"/>
-              <a:t>2019-12-21</a:t>
+              <a:t>2025-03-15</a:t>
             </a:fld>
             <a:endParaRPr lang="ko-KR" altLang="en-US"/>
           </a:p>
@@ -5192,6 +5192,45 @@
           </a:prstGeom>
         </p:spPr>
       </p:pic>
+      <p:sp>
+        <p:nvSpPr>
+          <p:cNvPr id="9" name="TextBox 8">
+            <a:extLst>
+              <a:ext uri="{FF2B5EF4-FFF2-40B4-BE49-F238E27FC236}">
+                <a16:creationId xmlns:a16="http://schemas.microsoft.com/office/drawing/2014/main" id="{86FB2E72-E327-4DB2-B1BA-C7593D330D46}"/>
+              </a:ext>
+            </a:extLst>
+          </p:cNvPr>
+          <p:cNvSpPr txBox="1"/>
+          <p:nvPr/>
+        </p:nvSpPr>
+        <p:spPr>
+          <a:xfrm>
+            <a:off x="10654019" y="379583"/>
+            <a:ext cx="607859" cy="307777"/>
+          </a:xfrm>
+          <a:prstGeom prst="rect">
+            <a:avLst/>
+          </a:prstGeom>
+          <a:noFill/>
+        </p:spPr>
+        <p:txBody>
+          <a:bodyPr wrap="none" rtlCol="0">
+            <a:spAutoFit/>
+          </a:bodyPr>
+          <a:lstStyle/>
+          <a:p>
+            <a:r>
+              <a:rPr lang="en-US" altLang="ko-KR" sz="1400" b="1" dirty="0">
+                <a:solidFill>
+                  <a:schemeClr val="bg1"/>
+                </a:solidFill>
+              </a:rPr>
+              <a:t>P433</a:t>
+            </a:r>
+          </a:p>
+        </p:txBody>
+      </p:sp>
     </p:spTree>
     <p:extLst>
       <p:ext uri="{BB962C8B-B14F-4D97-AF65-F5344CB8AC3E}">
@@ -5706,6 +5745,45 @@
           </a:prstGeom>
         </p:spPr>
       </p:pic>
+      <p:sp>
+        <p:nvSpPr>
+          <p:cNvPr id="8" name="TextBox 7">
+            <a:extLst>
+              <a:ext uri="{FF2B5EF4-FFF2-40B4-BE49-F238E27FC236}">
+                <a16:creationId xmlns:a16="http://schemas.microsoft.com/office/drawing/2014/main" id="{21F7F85E-09A6-4B15-8062-1F8B32747D9A}"/>
+              </a:ext>
+            </a:extLst>
+          </p:cNvPr>
+          <p:cNvSpPr txBox="1"/>
+          <p:nvPr/>
+        </p:nvSpPr>
+        <p:spPr>
+          <a:xfrm>
+            <a:off x="10654019" y="379583"/>
+            <a:ext cx="607859" cy="307777"/>
+          </a:xfrm>
+          <a:prstGeom prst="rect">
+            <a:avLst/>
+          </a:prstGeom>
+          <a:noFill/>
+        </p:spPr>
+        <p:txBody>
+          <a:bodyPr wrap="none" rtlCol="0">
+            <a:spAutoFit/>
+          </a:bodyPr>
+          <a:lstStyle/>
+          <a:p>
+            <a:r>
+              <a:rPr lang="en-US" altLang="ko-KR" sz="1400" b="1" dirty="0">
+                <a:solidFill>
+                  <a:schemeClr val="bg1"/>
+                </a:solidFill>
+              </a:rPr>
+              <a:t>P438</a:t>
+            </a:r>
+          </a:p>
+        </p:txBody>
+      </p:sp>
     </p:spTree>
     <p:extLst>
       <p:ext uri="{BB962C8B-B14F-4D97-AF65-F5344CB8AC3E}">
@@ -7009,6 +7087,45 @@
           </a:prstGeom>
         </p:spPr>
       </p:pic>
+      <p:sp>
+        <p:nvSpPr>
+          <p:cNvPr id="8" name="TextBox 7">
+            <a:extLst>
+              <a:ext uri="{FF2B5EF4-FFF2-40B4-BE49-F238E27FC236}">
+                <a16:creationId xmlns:a16="http://schemas.microsoft.com/office/drawing/2014/main" id="{7C9A78E5-3706-4AED-BD6C-4636E0A4F531}"/>
+              </a:ext>
+            </a:extLst>
+          </p:cNvPr>
+          <p:cNvSpPr txBox="1"/>
+          <p:nvPr/>
+        </p:nvSpPr>
+        <p:spPr>
+          <a:xfrm>
+            <a:off x="10654019" y="379583"/>
+            <a:ext cx="607859" cy="307777"/>
+          </a:xfrm>
+          <a:prstGeom prst="rect">
+            <a:avLst/>
+          </a:prstGeom>
+          <a:noFill/>
+        </p:spPr>
+        <p:txBody>
+          <a:bodyPr wrap="none" rtlCol="0">
+            <a:spAutoFit/>
+          </a:bodyPr>
+          <a:lstStyle/>
+          <a:p>
+            <a:r>
+              <a:rPr lang="en-US" altLang="ko-KR" sz="1400" b="1" dirty="0">
+                <a:solidFill>
+                  <a:schemeClr val="bg1"/>
+                </a:solidFill>
+              </a:rPr>
+              <a:t>P440</a:t>
+            </a:r>
+          </a:p>
+        </p:txBody>
+      </p:sp>
     </p:spTree>
     <p:extLst>
       <p:ext uri="{BB962C8B-B14F-4D97-AF65-F5344CB8AC3E}">
@@ -7223,6 +7340,45 @@
           </a:prstGeom>
         </p:spPr>
       </p:pic>
+      <p:sp>
+        <p:nvSpPr>
+          <p:cNvPr id="8" name="TextBox 7">
+            <a:extLst>
+              <a:ext uri="{FF2B5EF4-FFF2-40B4-BE49-F238E27FC236}">
+                <a16:creationId xmlns:a16="http://schemas.microsoft.com/office/drawing/2014/main" id="{F9576478-7D01-4E98-A63D-C384E65FE353}"/>
+              </a:ext>
+            </a:extLst>
+          </p:cNvPr>
+          <p:cNvSpPr txBox="1"/>
+          <p:nvPr/>
+        </p:nvSpPr>
+        <p:spPr>
+          <a:xfrm>
+            <a:off x="10654019" y="379583"/>
+            <a:ext cx="607859" cy="307777"/>
+          </a:xfrm>
+          <a:prstGeom prst="rect">
+            <a:avLst/>
+          </a:prstGeom>
+          <a:noFill/>
+        </p:spPr>
+        <p:txBody>
+          <a:bodyPr wrap="none" rtlCol="0">
+            <a:spAutoFit/>
+          </a:bodyPr>
+          <a:lstStyle/>
+          <a:p>
+            <a:r>
+              <a:rPr lang="en-US" altLang="ko-KR" sz="1400" b="1" dirty="0">
+                <a:solidFill>
+                  <a:schemeClr val="bg1"/>
+                </a:solidFill>
+              </a:rPr>
+              <a:t>P441</a:t>
+            </a:r>
+          </a:p>
+        </p:txBody>
+      </p:sp>
     </p:spTree>
     <p:extLst>
       <p:ext uri="{BB962C8B-B14F-4D97-AF65-F5344CB8AC3E}">
@@ -8171,6 +8327,45 @@
           </a:prstGeom>
         </p:spPr>
       </p:pic>
+      <p:sp>
+        <p:nvSpPr>
+          <p:cNvPr id="9" name="TextBox 8">
+            <a:extLst>
+              <a:ext uri="{FF2B5EF4-FFF2-40B4-BE49-F238E27FC236}">
+                <a16:creationId xmlns:a16="http://schemas.microsoft.com/office/drawing/2014/main" id="{0BCC90EC-163E-4703-8DDD-E28F271F4403}"/>
+              </a:ext>
+            </a:extLst>
+          </p:cNvPr>
+          <p:cNvSpPr txBox="1"/>
+          <p:nvPr/>
+        </p:nvSpPr>
+        <p:spPr>
+          <a:xfrm>
+            <a:off x="10654019" y="379583"/>
+            <a:ext cx="607859" cy="307777"/>
+          </a:xfrm>
+          <a:prstGeom prst="rect">
+            <a:avLst/>
+          </a:prstGeom>
+          <a:noFill/>
+        </p:spPr>
+        <p:txBody>
+          <a:bodyPr wrap="none" rtlCol="0">
+            <a:spAutoFit/>
+          </a:bodyPr>
+          <a:lstStyle/>
+          <a:p>
+            <a:r>
+              <a:rPr lang="en-US" altLang="ko-KR" sz="1400" b="1" dirty="0">
+                <a:solidFill>
+                  <a:schemeClr val="bg1"/>
+                </a:solidFill>
+              </a:rPr>
+              <a:t>P442</a:t>
+            </a:r>
+          </a:p>
+        </p:txBody>
+      </p:sp>
     </p:spTree>
     <p:extLst>
       <p:ext uri="{BB962C8B-B14F-4D97-AF65-F5344CB8AC3E}">
@@ -9418,6 +9613,45 @@
             <a:r>
               <a:rPr lang="ko-KR" altLang="en-US" sz="1400"/>
               <a:t>마지막 자식 요소에 스타일 적용</a:t>
+            </a:r>
+          </a:p>
+        </p:txBody>
+      </p:sp>
+      <p:sp>
+        <p:nvSpPr>
+          <p:cNvPr id="10" name="TextBox 9">
+            <a:extLst>
+              <a:ext uri="{FF2B5EF4-FFF2-40B4-BE49-F238E27FC236}">
+                <a16:creationId xmlns:a16="http://schemas.microsoft.com/office/drawing/2014/main" id="{50EC0FF6-0DD1-4235-8321-29191AB08D29}"/>
+              </a:ext>
+            </a:extLst>
+          </p:cNvPr>
+          <p:cNvSpPr txBox="1"/>
+          <p:nvPr/>
+        </p:nvSpPr>
+        <p:spPr>
+          <a:xfrm>
+            <a:off x="10654019" y="379583"/>
+            <a:ext cx="607859" cy="307777"/>
+          </a:xfrm>
+          <a:prstGeom prst="rect">
+            <a:avLst/>
+          </a:prstGeom>
+          <a:noFill/>
+        </p:spPr>
+        <p:txBody>
+          <a:bodyPr wrap="none" rtlCol="0">
+            <a:spAutoFit/>
+          </a:bodyPr>
+          <a:lstStyle/>
+          <a:p>
+            <a:r>
+              <a:rPr lang="en-US" altLang="ko-KR" sz="1400" b="1" dirty="0">
+                <a:solidFill>
+                  <a:schemeClr val="bg1"/>
+                </a:solidFill>
+              </a:rPr>
+              <a:t>P443</a:t>
             </a:r>
           </a:p>
         </p:txBody>
@@ -10022,6 +10256,45 @@
                 <a:srgbClr val="0070C0"/>
               </a:solidFill>
             </a:endParaRPr>
+          </a:p>
+        </p:txBody>
+      </p:sp>
+      <p:sp>
+        <p:nvSpPr>
+          <p:cNvPr id="14" name="TextBox 13">
+            <a:extLst>
+              <a:ext uri="{FF2B5EF4-FFF2-40B4-BE49-F238E27FC236}">
+                <a16:creationId xmlns:a16="http://schemas.microsoft.com/office/drawing/2014/main" id="{067A7D22-CBFB-416D-8258-DF017E37395E}"/>
+              </a:ext>
+            </a:extLst>
+          </p:cNvPr>
+          <p:cNvSpPr txBox="1"/>
+          <p:nvPr/>
+        </p:nvSpPr>
+        <p:spPr>
+          <a:xfrm>
+            <a:off x="10654019" y="379583"/>
+            <a:ext cx="607859" cy="307777"/>
+          </a:xfrm>
+          <a:prstGeom prst="rect">
+            <a:avLst/>
+          </a:prstGeom>
+          <a:noFill/>
+        </p:spPr>
+        <p:txBody>
+          <a:bodyPr wrap="none" rtlCol="0">
+            <a:spAutoFit/>
+          </a:bodyPr>
+          <a:lstStyle/>
+          <a:p>
+            <a:r>
+              <a:rPr lang="en-US" altLang="ko-KR" sz="1400" b="1" dirty="0">
+                <a:solidFill>
+                  <a:schemeClr val="bg1"/>
+                </a:solidFill>
+              </a:rPr>
+              <a:t>P444</a:t>
+            </a:r>
           </a:p>
         </p:txBody>
       </p:sp>
@@ -10844,6 +11117,45 @@
                 </a:solidFill>
               </a:rPr>
               <a:t>앵커가 연결하는 부분의 배경 색을 노랑으로</a:t>
+            </a:r>
+          </a:p>
+        </p:txBody>
+      </p:sp>
+      <p:sp>
+        <p:nvSpPr>
+          <p:cNvPr id="22" name="TextBox 21">
+            <a:extLst>
+              <a:ext uri="{FF2B5EF4-FFF2-40B4-BE49-F238E27FC236}">
+                <a16:creationId xmlns:a16="http://schemas.microsoft.com/office/drawing/2014/main" id="{3B875086-E882-4477-868C-BBDE413BD2EA}"/>
+              </a:ext>
+            </a:extLst>
+          </p:cNvPr>
+          <p:cNvSpPr txBox="1"/>
+          <p:nvPr/>
+        </p:nvSpPr>
+        <p:spPr>
+          <a:xfrm>
+            <a:off x="10654019" y="379583"/>
+            <a:ext cx="607859" cy="307777"/>
+          </a:xfrm>
+          <a:prstGeom prst="rect">
+            <a:avLst/>
+          </a:prstGeom>
+          <a:noFill/>
+        </p:spPr>
+        <p:txBody>
+          <a:bodyPr wrap="none" rtlCol="0">
+            <a:spAutoFit/>
+          </a:bodyPr>
+          <a:lstStyle/>
+          <a:p>
+            <a:r>
+              <a:rPr lang="en-US" altLang="ko-KR" sz="1400" b="1" dirty="0">
+                <a:solidFill>
+                  <a:schemeClr val="bg1"/>
+                </a:solidFill>
+              </a:rPr>
+              <a:t>P444</a:t>
             </a:r>
           </a:p>
         </p:txBody>
@@ -11675,6 +11987,45 @@
           </a:graphicData>
         </a:graphic>
       </p:graphicFrame>
+      <p:sp>
+        <p:nvSpPr>
+          <p:cNvPr id="4" name="TextBox 3">
+            <a:extLst>
+              <a:ext uri="{FF2B5EF4-FFF2-40B4-BE49-F238E27FC236}">
+                <a16:creationId xmlns:a16="http://schemas.microsoft.com/office/drawing/2014/main" id="{74048C1D-9DBB-4A06-B8B3-D2F5B9AC9A4A}"/>
+              </a:ext>
+            </a:extLst>
+          </p:cNvPr>
+          <p:cNvSpPr txBox="1"/>
+          <p:nvPr/>
+        </p:nvSpPr>
+        <p:spPr>
+          <a:xfrm>
+            <a:off x="10654019" y="379583"/>
+            <a:ext cx="607859" cy="307777"/>
+          </a:xfrm>
+          <a:prstGeom prst="rect">
+            <a:avLst/>
+          </a:prstGeom>
+          <a:noFill/>
+        </p:spPr>
+        <p:txBody>
+          <a:bodyPr wrap="none" rtlCol="0">
+            <a:spAutoFit/>
+          </a:bodyPr>
+          <a:lstStyle/>
+          <a:p>
+            <a:r>
+              <a:rPr lang="en-US" altLang="ko-KR" sz="1400" b="1" dirty="0">
+                <a:solidFill>
+                  <a:schemeClr val="bg1"/>
+                </a:solidFill>
+              </a:rPr>
+              <a:t>P444</a:t>
+            </a:r>
+          </a:p>
+        </p:txBody>
+      </p:sp>
     </p:spTree>
     <p:extLst>
       <p:ext uri="{BB962C8B-B14F-4D97-AF65-F5344CB8AC3E}">
@@ -11922,6 +12273,45 @@
           </a:prstGeom>
         </p:spPr>
       </p:pic>
+      <p:sp>
+        <p:nvSpPr>
+          <p:cNvPr id="7" name="TextBox 6">
+            <a:extLst>
+              <a:ext uri="{FF2B5EF4-FFF2-40B4-BE49-F238E27FC236}">
+                <a16:creationId xmlns:a16="http://schemas.microsoft.com/office/drawing/2014/main" id="{07351A25-2D94-4233-9DBC-EFB875250308}"/>
+              </a:ext>
+            </a:extLst>
+          </p:cNvPr>
+          <p:cNvSpPr txBox="1"/>
+          <p:nvPr/>
+        </p:nvSpPr>
+        <p:spPr>
+          <a:xfrm>
+            <a:off x="10654019" y="379583"/>
+            <a:ext cx="607859" cy="307777"/>
+          </a:xfrm>
+          <a:prstGeom prst="rect">
+            <a:avLst/>
+          </a:prstGeom>
+          <a:noFill/>
+        </p:spPr>
+        <p:txBody>
+          <a:bodyPr wrap="none" rtlCol="0">
+            <a:spAutoFit/>
+          </a:bodyPr>
+          <a:lstStyle/>
+          <a:p>
+            <a:r>
+              <a:rPr lang="en-US" altLang="ko-KR" sz="1400" b="1" dirty="0">
+                <a:solidFill>
+                  <a:schemeClr val="bg1"/>
+                </a:solidFill>
+              </a:rPr>
+              <a:t>P445</a:t>
+            </a:r>
+          </a:p>
+        </p:txBody>
+      </p:sp>
     </p:spTree>
     <p:extLst>
       <p:ext uri="{BB962C8B-B14F-4D97-AF65-F5344CB8AC3E}">
@@ -12341,6 +12731,50 @@
           </a:p>
         </p:txBody>
       </p:sp>
+      <p:sp>
+        <p:nvSpPr>
+          <p:cNvPr id="10" name="TextBox 9">
+            <a:extLst>
+              <a:ext uri="{FF2B5EF4-FFF2-40B4-BE49-F238E27FC236}">
+                <a16:creationId xmlns:a16="http://schemas.microsoft.com/office/drawing/2014/main" id="{EB42DACB-407C-4C28-B2B8-3B49444A905D}"/>
+              </a:ext>
+            </a:extLst>
+          </p:cNvPr>
+          <p:cNvSpPr txBox="1"/>
+          <p:nvPr/>
+        </p:nvSpPr>
+        <p:spPr>
+          <a:xfrm>
+            <a:off x="10654019" y="379583"/>
+            <a:ext cx="609462" cy="307777"/>
+          </a:xfrm>
+          <a:prstGeom prst="rect">
+            <a:avLst/>
+          </a:prstGeom>
+          <a:noFill/>
+        </p:spPr>
+        <p:txBody>
+          <a:bodyPr wrap="none" rtlCol="0">
+            <a:spAutoFit/>
+          </a:bodyPr>
+          <a:lstStyle/>
+          <a:p>
+            <a:r>
+              <a:rPr lang="en-US" altLang="ko-KR" sz="1400" b="1" dirty="0">
+                <a:solidFill>
+                  <a:schemeClr val="bg1"/>
+                </a:solidFill>
+              </a:rPr>
+              <a:t>p421</a:t>
+            </a:r>
+            <a:endParaRPr lang="ko-KR" altLang="en-US" sz="1400" b="1" dirty="0">
+              <a:solidFill>
+                <a:schemeClr val="bg1"/>
+              </a:solidFill>
+            </a:endParaRPr>
+          </a:p>
+        </p:txBody>
+      </p:sp>
     </p:spTree>
     <p:extLst>
       <p:ext uri="{BB962C8B-B14F-4D97-AF65-F5344CB8AC3E}">
@@ -13766,6 +14200,45 @@
           </a:prstGeom>
         </p:spPr>
       </p:pic>
+      <p:sp>
+        <p:nvSpPr>
+          <p:cNvPr id="8" name="TextBox 7">
+            <a:extLst>
+              <a:ext uri="{FF2B5EF4-FFF2-40B4-BE49-F238E27FC236}">
+                <a16:creationId xmlns:a16="http://schemas.microsoft.com/office/drawing/2014/main" id="{8A2E95D0-3494-4037-82FB-88178DFF580F}"/>
+              </a:ext>
+            </a:extLst>
+          </p:cNvPr>
+          <p:cNvSpPr txBox="1"/>
+          <p:nvPr/>
+        </p:nvSpPr>
+        <p:spPr>
+          <a:xfrm>
+            <a:off x="10654019" y="379583"/>
+            <a:ext cx="994183" cy="307777"/>
+          </a:xfrm>
+          <a:prstGeom prst="rect">
+            <a:avLst/>
+          </a:prstGeom>
+          <a:noFill/>
+        </p:spPr>
+        <p:txBody>
+          <a:bodyPr wrap="none" rtlCol="0">
+            <a:spAutoFit/>
+          </a:bodyPr>
+          <a:lstStyle/>
+          <a:p>
+            <a:r>
+              <a:rPr lang="en-US" altLang="ko-KR" sz="1400" b="1" dirty="0">
+                <a:solidFill>
+                  <a:schemeClr val="bg1"/>
+                </a:solidFill>
+              </a:rPr>
+              <a:t>P422-423</a:t>
+            </a:r>
+          </a:p>
+        </p:txBody>
+      </p:sp>
     </p:spTree>
     <p:extLst>
       <p:ext uri="{BB962C8B-B14F-4D97-AF65-F5344CB8AC3E}">
@@ -14853,6 +15326,45 @@
           </a:prstGeom>
         </p:spPr>
       </p:pic>
+      <p:sp>
+        <p:nvSpPr>
+          <p:cNvPr id="12" name="TextBox 11">
+            <a:extLst>
+              <a:ext uri="{FF2B5EF4-FFF2-40B4-BE49-F238E27FC236}">
+                <a16:creationId xmlns:a16="http://schemas.microsoft.com/office/drawing/2014/main" id="{26E0619E-682F-4F79-93B1-0B518FC670CD}"/>
+              </a:ext>
+            </a:extLst>
+          </p:cNvPr>
+          <p:cNvSpPr txBox="1"/>
+          <p:nvPr/>
+        </p:nvSpPr>
+        <p:spPr>
+          <a:xfrm>
+            <a:off x="10654019" y="379583"/>
+            <a:ext cx="994183" cy="307777"/>
+          </a:xfrm>
+          <a:prstGeom prst="rect">
+            <a:avLst/>
+          </a:prstGeom>
+          <a:noFill/>
+        </p:spPr>
+        <p:txBody>
+          <a:bodyPr wrap="none" rtlCol="0">
+            <a:spAutoFit/>
+          </a:bodyPr>
+          <a:lstStyle/>
+          <a:p>
+            <a:r>
+              <a:rPr lang="en-US" altLang="ko-KR" sz="1400" b="1" dirty="0">
+                <a:solidFill>
+                  <a:schemeClr val="bg1"/>
+                </a:solidFill>
+              </a:rPr>
+              <a:t>P424-425</a:t>
+            </a:r>
+          </a:p>
+        </p:txBody>
+      </p:sp>
     </p:spTree>
     <p:extLst>
       <p:ext uri="{BB962C8B-B14F-4D97-AF65-F5344CB8AC3E}">
@@ -15980,6 +16492,45 @@
           </a:p>
         </p:txBody>
       </p:sp>
+      <p:sp>
+        <p:nvSpPr>
+          <p:cNvPr id="11" name="TextBox 10">
+            <a:extLst>
+              <a:ext uri="{FF2B5EF4-FFF2-40B4-BE49-F238E27FC236}">
+                <a16:creationId xmlns:a16="http://schemas.microsoft.com/office/drawing/2014/main" id="{A016FB08-0633-4E88-98D1-0BB16D287248}"/>
+              </a:ext>
+            </a:extLst>
+          </p:cNvPr>
+          <p:cNvSpPr txBox="1"/>
+          <p:nvPr/>
+        </p:nvSpPr>
+        <p:spPr>
+          <a:xfrm>
+            <a:off x="10654019" y="379583"/>
+            <a:ext cx="607859" cy="307777"/>
+          </a:xfrm>
+          <a:prstGeom prst="rect">
+            <a:avLst/>
+          </a:prstGeom>
+          <a:noFill/>
+        </p:spPr>
+        <p:txBody>
+          <a:bodyPr wrap="none" rtlCol="0">
+            <a:spAutoFit/>
+          </a:bodyPr>
+          <a:lstStyle/>
+          <a:p>
+            <a:r>
+              <a:rPr lang="en-US" altLang="ko-KR" sz="1400" b="1" dirty="0">
+                <a:solidFill>
+                  <a:schemeClr val="bg1"/>
+                </a:solidFill>
+              </a:rPr>
+              <a:t>P426</a:t>
+            </a:r>
+          </a:p>
+        </p:txBody>
+      </p:sp>
     </p:spTree>
     <p:extLst>
       <p:ext uri="{BB962C8B-B14F-4D97-AF65-F5344CB8AC3E}">
@@ -17040,6 +17591,45 @@
           </a:prstGeom>
         </p:spPr>
       </p:pic>
+      <p:sp>
+        <p:nvSpPr>
+          <p:cNvPr id="12" name="TextBox 11">
+            <a:extLst>
+              <a:ext uri="{FF2B5EF4-FFF2-40B4-BE49-F238E27FC236}">
+                <a16:creationId xmlns:a16="http://schemas.microsoft.com/office/drawing/2014/main" id="{B2DC8053-8AD8-45F6-84EE-9DF1B20B6323}"/>
+              </a:ext>
+            </a:extLst>
+          </p:cNvPr>
+          <p:cNvSpPr txBox="1"/>
+          <p:nvPr/>
+        </p:nvSpPr>
+        <p:spPr>
+          <a:xfrm>
+            <a:off x="10654019" y="379583"/>
+            <a:ext cx="607859" cy="307777"/>
+          </a:xfrm>
+          <a:prstGeom prst="rect">
+            <a:avLst/>
+          </a:prstGeom>
+          <a:noFill/>
+        </p:spPr>
+        <p:txBody>
+          <a:bodyPr wrap="none" rtlCol="0">
+            <a:spAutoFit/>
+          </a:bodyPr>
+          <a:lstStyle/>
+          <a:p>
+            <a:r>
+              <a:rPr lang="en-US" altLang="ko-KR" sz="1400" b="1" dirty="0">
+                <a:solidFill>
+                  <a:schemeClr val="bg1"/>
+                </a:solidFill>
+              </a:rPr>
+              <a:t>P427</a:t>
+            </a:r>
+          </a:p>
+        </p:txBody>
+      </p:sp>
     </p:spTree>
     <p:extLst>
       <p:ext uri="{BB962C8B-B14F-4D97-AF65-F5344CB8AC3E}">
@@ -19113,6 +19703,45 @@
           </a:prstGeom>
         </p:spPr>
       </p:pic>
+      <p:sp>
+        <p:nvSpPr>
+          <p:cNvPr id="15" name="TextBox 14">
+            <a:extLst>
+              <a:ext uri="{FF2B5EF4-FFF2-40B4-BE49-F238E27FC236}">
+                <a16:creationId xmlns:a16="http://schemas.microsoft.com/office/drawing/2014/main" id="{A8BA0B8D-0A74-4C05-8622-7824F08E47E8}"/>
+              </a:ext>
+            </a:extLst>
+          </p:cNvPr>
+          <p:cNvSpPr txBox="1"/>
+          <p:nvPr/>
+        </p:nvSpPr>
+        <p:spPr>
+          <a:xfrm>
+            <a:off x="10654019" y="379583"/>
+            <a:ext cx="607859" cy="307777"/>
+          </a:xfrm>
+          <a:prstGeom prst="rect">
+            <a:avLst/>
+          </a:prstGeom>
+          <a:noFill/>
+        </p:spPr>
+        <p:txBody>
+          <a:bodyPr wrap="none" rtlCol="0">
+            <a:spAutoFit/>
+          </a:bodyPr>
+          <a:lstStyle/>
+          <a:p>
+            <a:r>
+              <a:rPr lang="en-US" altLang="ko-KR" sz="1400" b="1" dirty="0">
+                <a:solidFill>
+                  <a:schemeClr val="bg1"/>
+                </a:solidFill>
+              </a:rPr>
+              <a:t>P429</a:t>
+            </a:r>
+          </a:p>
+        </p:txBody>
+      </p:sp>
     </p:spTree>
     <p:extLst>
       <p:ext uri="{BB962C8B-B14F-4D97-AF65-F5344CB8AC3E}">
@@ -21389,6 +22018,45 @@
           </a:ln>
         </p:spPr>
       </p:pic>
+      <p:sp>
+        <p:nvSpPr>
+          <p:cNvPr id="15" name="TextBox 14">
+            <a:extLst>
+              <a:ext uri="{FF2B5EF4-FFF2-40B4-BE49-F238E27FC236}">
+                <a16:creationId xmlns:a16="http://schemas.microsoft.com/office/drawing/2014/main" id="{B9ACAFC5-AB11-4CF4-A450-F26DF94F017A}"/>
+              </a:ext>
+            </a:extLst>
+          </p:cNvPr>
+          <p:cNvSpPr txBox="1"/>
+          <p:nvPr/>
+        </p:nvSpPr>
+        <p:spPr>
+          <a:xfrm>
+            <a:off x="10654019" y="379583"/>
+            <a:ext cx="607859" cy="307777"/>
+          </a:xfrm>
+          <a:prstGeom prst="rect">
+            <a:avLst/>
+          </a:prstGeom>
+          <a:noFill/>
+        </p:spPr>
+        <p:txBody>
+          <a:bodyPr wrap="none" rtlCol="0">
+            <a:spAutoFit/>
+          </a:bodyPr>
+          <a:lstStyle/>
+          <a:p>
+            <a:r>
+              <a:rPr lang="en-US" altLang="ko-KR" sz="1400" b="1" dirty="0">
+                <a:solidFill>
+                  <a:schemeClr val="bg1"/>
+                </a:solidFill>
+              </a:rPr>
+              <a:t>P431</a:t>
+            </a:r>
+          </a:p>
+        </p:txBody>
+      </p:sp>
     </p:spTree>
     <p:extLst>
       <p:ext uri="{BB962C8B-B14F-4D97-AF65-F5344CB8AC3E}">
@@ -23366,6 +24034,45 @@
           </a:prstGeom>
         </p:spPr>
       </p:pic>
+      <p:sp>
+        <p:nvSpPr>
+          <p:cNvPr id="12" name="TextBox 11">
+            <a:extLst>
+              <a:ext uri="{FF2B5EF4-FFF2-40B4-BE49-F238E27FC236}">
+                <a16:creationId xmlns:a16="http://schemas.microsoft.com/office/drawing/2014/main" id="{46CBF23D-2617-4F78-ABB6-8BB991DF3E67}"/>
+              </a:ext>
+            </a:extLst>
+          </p:cNvPr>
+          <p:cNvSpPr txBox="1"/>
+          <p:nvPr/>
+        </p:nvSpPr>
+        <p:spPr>
+          <a:xfrm>
+            <a:off x="10654019" y="379583"/>
+            <a:ext cx="607859" cy="307777"/>
+          </a:xfrm>
+          <a:prstGeom prst="rect">
+            <a:avLst/>
+          </a:prstGeom>
+          <a:noFill/>
+        </p:spPr>
+        <p:txBody>
+          <a:bodyPr wrap="none" rtlCol="0">
+            <a:spAutoFit/>
+          </a:bodyPr>
+          <a:lstStyle/>
+          <a:p>
+            <a:r>
+              <a:rPr lang="en-US" altLang="ko-KR" sz="1400" b="1" dirty="0">
+                <a:solidFill>
+                  <a:schemeClr val="bg1"/>
+                </a:solidFill>
+              </a:rPr>
+              <a:t>P432</a:t>
+            </a:r>
+          </a:p>
+        </p:txBody>
+      </p:sp>
     </p:spTree>
     <p:extLst>
       <p:ext uri="{BB962C8B-B14F-4D97-AF65-F5344CB8AC3E}">
